--- a/content/02. Math Basics.pptx
+++ b/content/02. Math Basics.pptx
@@ -215,7 +215,7 @@
           <a:p>
             <a:fld id="{BD0DC85F-DCE2-4BCA-8801-3575139BEE9E}" type="datetimeFigureOut">
               <a:rPr lang="en-IN" smtClean="0"/>
-              <a:t>08-01-2021</a:t>
+              <a:t>09-01-2021</a:t>
             </a:fld>
             <a:endParaRPr lang="en-IN"/>
           </a:p>
@@ -716,7 +716,7 @@
           <a:p>
             <a:fld id="{4F40F23E-5639-41AD-B93D-7DE0C60A8495}" type="datetimeFigureOut">
               <a:rPr lang="en-IN" smtClean="0"/>
-              <a:t>08-01-2021</a:t>
+              <a:t>09-01-2021</a:t>
             </a:fld>
             <a:endParaRPr lang="en-IN"/>
           </a:p>
@@ -916,7 +916,7 @@
           <a:p>
             <a:fld id="{4F40F23E-5639-41AD-B93D-7DE0C60A8495}" type="datetimeFigureOut">
               <a:rPr lang="en-IN" smtClean="0"/>
-              <a:t>08-01-2021</a:t>
+              <a:t>09-01-2021</a:t>
             </a:fld>
             <a:endParaRPr lang="en-IN"/>
           </a:p>
@@ -1126,7 +1126,7 @@
           <a:p>
             <a:fld id="{4F40F23E-5639-41AD-B93D-7DE0C60A8495}" type="datetimeFigureOut">
               <a:rPr lang="en-IN" smtClean="0"/>
-              <a:t>08-01-2021</a:t>
+              <a:t>09-01-2021</a:t>
             </a:fld>
             <a:endParaRPr lang="en-IN"/>
           </a:p>
@@ -1326,7 +1326,7 @@
           <a:p>
             <a:fld id="{4F40F23E-5639-41AD-B93D-7DE0C60A8495}" type="datetimeFigureOut">
               <a:rPr lang="en-IN" smtClean="0"/>
-              <a:t>08-01-2021</a:t>
+              <a:t>09-01-2021</a:t>
             </a:fld>
             <a:endParaRPr lang="en-IN"/>
           </a:p>
@@ -1602,7 +1602,7 @@
           <a:p>
             <a:fld id="{4F40F23E-5639-41AD-B93D-7DE0C60A8495}" type="datetimeFigureOut">
               <a:rPr lang="en-IN" smtClean="0"/>
-              <a:t>08-01-2021</a:t>
+              <a:t>09-01-2021</a:t>
             </a:fld>
             <a:endParaRPr lang="en-IN"/>
           </a:p>
@@ -1870,7 +1870,7 @@
           <a:p>
             <a:fld id="{4F40F23E-5639-41AD-B93D-7DE0C60A8495}" type="datetimeFigureOut">
               <a:rPr lang="en-IN" smtClean="0"/>
-              <a:t>08-01-2021</a:t>
+              <a:t>09-01-2021</a:t>
             </a:fld>
             <a:endParaRPr lang="en-IN"/>
           </a:p>
@@ -2285,7 +2285,7 @@
           <a:p>
             <a:fld id="{4F40F23E-5639-41AD-B93D-7DE0C60A8495}" type="datetimeFigureOut">
               <a:rPr lang="en-IN" smtClean="0"/>
-              <a:t>08-01-2021</a:t>
+              <a:t>09-01-2021</a:t>
             </a:fld>
             <a:endParaRPr lang="en-IN"/>
           </a:p>
@@ -2427,7 +2427,7 @@
           <a:p>
             <a:fld id="{4F40F23E-5639-41AD-B93D-7DE0C60A8495}" type="datetimeFigureOut">
               <a:rPr lang="en-IN" smtClean="0"/>
-              <a:t>08-01-2021</a:t>
+              <a:t>09-01-2021</a:t>
             </a:fld>
             <a:endParaRPr lang="en-IN"/>
           </a:p>
@@ -2540,7 +2540,7 @@
           <a:p>
             <a:fld id="{4F40F23E-5639-41AD-B93D-7DE0C60A8495}" type="datetimeFigureOut">
               <a:rPr lang="en-IN" smtClean="0"/>
-              <a:t>08-01-2021</a:t>
+              <a:t>09-01-2021</a:t>
             </a:fld>
             <a:endParaRPr lang="en-IN"/>
           </a:p>
@@ -2853,7 +2853,7 @@
           <a:p>
             <a:fld id="{4F40F23E-5639-41AD-B93D-7DE0C60A8495}" type="datetimeFigureOut">
               <a:rPr lang="en-IN" smtClean="0"/>
-              <a:t>08-01-2021</a:t>
+              <a:t>09-01-2021</a:t>
             </a:fld>
             <a:endParaRPr lang="en-IN"/>
           </a:p>
@@ -3142,7 +3142,7 @@
           <a:p>
             <a:fld id="{4F40F23E-5639-41AD-B93D-7DE0C60A8495}" type="datetimeFigureOut">
               <a:rPr lang="en-IN" smtClean="0"/>
-              <a:t>08-01-2021</a:t>
+              <a:t>09-01-2021</a:t>
             </a:fld>
             <a:endParaRPr lang="en-IN"/>
           </a:p>
@@ -3385,7 +3385,7 @@
           <a:p>
             <a:fld id="{4F40F23E-5639-41AD-B93D-7DE0C60A8495}" type="datetimeFigureOut">
               <a:rPr lang="en-IN" smtClean="0"/>
-              <a:t>08-01-2021</a:t>
+              <a:t>09-01-2021</a:t>
             </a:fld>
             <a:endParaRPr lang="en-IN"/>
           </a:p>
